--- a/模擬平台網頁_v2/教材簡報/第三單元、第四單元簡報_v1.pptx
+++ b/模擬平台網頁_v2/教材簡報/第三單元、第四單元簡報_v1.pptx
@@ -232,7 +232,7 @@
           <a:p>
             <a:fld id="{5EB97198-5DAF-994E-852E-8F3A4370FC2B}" type="datetimeFigureOut">
               <a:rPr kumimoji="1" lang="zh-TW" altLang="en-US" smtClean="0"/>
-              <a:t>2022/3/25</a:t>
+              <a:t>2022/4/8</a:t>
             </a:fld>
             <a:endParaRPr kumimoji="1" lang="zh-TW" altLang="en-US"/>
           </a:p>
@@ -646,7 +646,7 @@
           <a:p>
             <a:fld id="{4B4D149D-1AC6-0C4E-AB7E-19B2D9CBC675}" type="datetimeFigureOut">
               <a:rPr kumimoji="1" lang="zh-TW" altLang="en-US" smtClean="0"/>
-              <a:t>2022/3/25</a:t>
+              <a:t>2022/4/8</a:t>
             </a:fld>
             <a:endParaRPr kumimoji="1" lang="zh-TW" altLang="en-US"/>
           </a:p>
@@ -844,7 +844,7 @@
           <a:p>
             <a:fld id="{4B4D149D-1AC6-0C4E-AB7E-19B2D9CBC675}" type="datetimeFigureOut">
               <a:rPr kumimoji="1" lang="zh-TW" altLang="en-US" smtClean="0"/>
-              <a:t>2022/3/25</a:t>
+              <a:t>2022/4/8</a:t>
             </a:fld>
             <a:endParaRPr kumimoji="1" lang="zh-TW" altLang="en-US"/>
           </a:p>
@@ -1052,7 +1052,7 @@
           <a:p>
             <a:fld id="{4B4D149D-1AC6-0C4E-AB7E-19B2D9CBC675}" type="datetimeFigureOut">
               <a:rPr kumimoji="1" lang="zh-TW" altLang="en-US" smtClean="0"/>
-              <a:t>2022/3/25</a:t>
+              <a:t>2022/4/8</a:t>
             </a:fld>
             <a:endParaRPr kumimoji="1" lang="zh-TW" altLang="en-US"/>
           </a:p>
@@ -1250,7 +1250,7 @@
           <a:p>
             <a:fld id="{4B4D149D-1AC6-0C4E-AB7E-19B2D9CBC675}" type="datetimeFigureOut">
               <a:rPr kumimoji="1" lang="zh-TW" altLang="en-US" smtClean="0"/>
-              <a:t>2022/3/25</a:t>
+              <a:t>2022/4/8</a:t>
             </a:fld>
             <a:endParaRPr kumimoji="1" lang="zh-TW" altLang="en-US"/>
           </a:p>
@@ -1525,7 +1525,7 @@
           <a:p>
             <a:fld id="{4B4D149D-1AC6-0C4E-AB7E-19B2D9CBC675}" type="datetimeFigureOut">
               <a:rPr kumimoji="1" lang="zh-TW" altLang="en-US" smtClean="0"/>
-              <a:t>2022/3/25</a:t>
+              <a:t>2022/4/8</a:t>
             </a:fld>
             <a:endParaRPr kumimoji="1" lang="zh-TW" altLang="en-US"/>
           </a:p>
@@ -1790,7 +1790,7 @@
           <a:p>
             <a:fld id="{4B4D149D-1AC6-0C4E-AB7E-19B2D9CBC675}" type="datetimeFigureOut">
               <a:rPr kumimoji="1" lang="zh-TW" altLang="en-US" smtClean="0"/>
-              <a:t>2022/3/25</a:t>
+              <a:t>2022/4/8</a:t>
             </a:fld>
             <a:endParaRPr kumimoji="1" lang="zh-TW" altLang="en-US"/>
           </a:p>
@@ -2202,7 +2202,7 @@
           <a:p>
             <a:fld id="{4B4D149D-1AC6-0C4E-AB7E-19B2D9CBC675}" type="datetimeFigureOut">
               <a:rPr kumimoji="1" lang="zh-TW" altLang="en-US" smtClean="0"/>
-              <a:t>2022/3/25</a:t>
+              <a:t>2022/4/8</a:t>
             </a:fld>
             <a:endParaRPr kumimoji="1" lang="zh-TW" altLang="en-US"/>
           </a:p>
@@ -2343,7 +2343,7 @@
           <a:p>
             <a:fld id="{4B4D149D-1AC6-0C4E-AB7E-19B2D9CBC675}" type="datetimeFigureOut">
               <a:rPr kumimoji="1" lang="zh-TW" altLang="en-US" smtClean="0"/>
-              <a:t>2022/3/25</a:t>
+              <a:t>2022/4/8</a:t>
             </a:fld>
             <a:endParaRPr kumimoji="1" lang="zh-TW" altLang="en-US"/>
           </a:p>
@@ -2456,7 +2456,7 @@
           <a:p>
             <a:fld id="{4B4D149D-1AC6-0C4E-AB7E-19B2D9CBC675}" type="datetimeFigureOut">
               <a:rPr kumimoji="1" lang="zh-TW" altLang="en-US" smtClean="0"/>
-              <a:t>2022/3/25</a:t>
+              <a:t>2022/4/8</a:t>
             </a:fld>
             <a:endParaRPr kumimoji="1" lang="zh-TW" altLang="en-US"/>
           </a:p>
@@ -2767,7 +2767,7 @@
           <a:p>
             <a:fld id="{4B4D149D-1AC6-0C4E-AB7E-19B2D9CBC675}" type="datetimeFigureOut">
               <a:rPr kumimoji="1" lang="zh-TW" altLang="en-US" smtClean="0"/>
-              <a:t>2022/3/25</a:t>
+              <a:t>2022/4/8</a:t>
             </a:fld>
             <a:endParaRPr kumimoji="1" lang="zh-TW" altLang="en-US"/>
           </a:p>
@@ -3055,7 +3055,7 @@
           <a:p>
             <a:fld id="{4B4D149D-1AC6-0C4E-AB7E-19B2D9CBC675}" type="datetimeFigureOut">
               <a:rPr kumimoji="1" lang="zh-TW" altLang="en-US" smtClean="0"/>
-              <a:t>2022/3/25</a:t>
+              <a:t>2022/4/8</a:t>
             </a:fld>
             <a:endParaRPr kumimoji="1" lang="zh-TW" altLang="en-US"/>
           </a:p>
@@ -3296,7 +3296,7 @@
           <a:p>
             <a:fld id="{4B4D149D-1AC6-0C4E-AB7E-19B2D9CBC675}" type="datetimeFigureOut">
               <a:rPr kumimoji="1" lang="zh-TW" altLang="en-US" smtClean="0"/>
-              <a:t>2022/3/25</a:t>
+              <a:t>2022/4/8</a:t>
             </a:fld>
             <a:endParaRPr kumimoji="1" lang="zh-TW" altLang="en-US"/>
           </a:p>
@@ -5834,8 +5834,8 @@
             </a:p>
           </p:txBody>
         </p:sp>
-        <mc:AlternateContent xmlns:mc="http://schemas.openxmlformats.org/markup-compatibility/2006">
-          <mc:Choice xmlns:a14="http://schemas.microsoft.com/office/drawing/2010/main" Requires="a14">
+        <mc:AlternateContent xmlns:mc="http://schemas.openxmlformats.org/markup-compatibility/2006" xmlns:a14="http://schemas.microsoft.com/office/drawing/2010/main">
+          <mc:Choice Requires="a14">
             <p:sp>
               <p:nvSpPr>
                 <p:cNvPr id="25" name="文字方塊 24">
@@ -5864,6 +5864,7 @@
                 </a:bodyPr>
                 <a:lstStyle/>
                 <a:p>
+                  <a:pPr/>
                   <a14:m>
                     <m:oMathPara xmlns:m="http://schemas.openxmlformats.org/officeDocument/2006/math">
                       <m:oMathParaPr>
@@ -5927,7 +5928,7 @@
               </p:txBody>
             </p:sp>
           </mc:Choice>
-          <mc:Fallback>
+          <mc:Fallback xmlns="">
             <p:sp>
               <p:nvSpPr>
                 <p:cNvPr id="25" name="文字方塊 24">
@@ -6642,8 +6643,8 @@
           </a:fontRef>
         </p:style>
       </p:cxnSp>
-      <mc:AlternateContent xmlns:mc="http://schemas.openxmlformats.org/markup-compatibility/2006">
-        <mc:Choice xmlns:a14="http://schemas.microsoft.com/office/drawing/2010/main" Requires="a14">
+      <mc:AlternateContent xmlns:mc="http://schemas.openxmlformats.org/markup-compatibility/2006" xmlns:a14="http://schemas.microsoft.com/office/drawing/2010/main">
+        <mc:Choice Requires="a14">
           <p:sp>
             <p:nvSpPr>
               <p:cNvPr id="14" name="橢圓 13">
@@ -6729,7 +6730,7 @@
             </p:txBody>
           </p:sp>
         </mc:Choice>
-        <mc:Fallback>
+        <mc:Fallback xmlns="">
           <p:sp>
             <p:nvSpPr>
               <p:cNvPr id="14" name="橢圓 13">
@@ -8369,8 +8370,8 @@
           </a:fontRef>
         </p:style>
       </p:cxnSp>
-      <mc:AlternateContent xmlns:mc="http://schemas.openxmlformats.org/markup-compatibility/2006">
-        <mc:Choice xmlns:a14="http://schemas.microsoft.com/office/drawing/2010/main" Requires="a14">
+      <mc:AlternateContent xmlns:mc="http://schemas.openxmlformats.org/markup-compatibility/2006" xmlns:a14="http://schemas.microsoft.com/office/drawing/2010/main">
+        <mc:Choice Requires="a14">
           <p:sp>
             <p:nvSpPr>
               <p:cNvPr id="14" name="橢圓 13">
@@ -8456,7 +8457,7 @@
             </p:txBody>
           </p:sp>
         </mc:Choice>
-        <mc:Fallback>
+        <mc:Fallback xmlns="">
           <p:sp>
             <p:nvSpPr>
               <p:cNvPr id="14" name="橢圓 13">
@@ -10148,8 +10149,8 @@
           </a:fontRef>
         </p:style>
       </p:cxnSp>
-      <mc:AlternateContent xmlns:mc="http://schemas.openxmlformats.org/markup-compatibility/2006">
-        <mc:Choice xmlns:a14="http://schemas.microsoft.com/office/drawing/2010/main" Requires="a14">
+      <mc:AlternateContent xmlns:mc="http://schemas.openxmlformats.org/markup-compatibility/2006" xmlns:a14="http://schemas.microsoft.com/office/drawing/2010/main">
+        <mc:Choice Requires="a14">
           <p:sp>
             <p:nvSpPr>
               <p:cNvPr id="14" name="橢圓 13">
@@ -10235,7 +10236,7 @@
             </p:txBody>
           </p:sp>
         </mc:Choice>
-        <mc:Fallback>
+        <mc:Fallback xmlns="">
           <p:sp>
             <p:nvSpPr>
               <p:cNvPr id="14" name="橢圓 13">
@@ -11871,8 +11872,8 @@
           </a:fontRef>
         </p:style>
       </p:cxnSp>
-      <mc:AlternateContent xmlns:mc="http://schemas.openxmlformats.org/markup-compatibility/2006">
-        <mc:Choice xmlns:a14="http://schemas.microsoft.com/office/drawing/2010/main" Requires="a14">
+      <mc:AlternateContent xmlns:mc="http://schemas.openxmlformats.org/markup-compatibility/2006" xmlns:a14="http://schemas.microsoft.com/office/drawing/2010/main">
+        <mc:Choice Requires="a14">
           <p:sp>
             <p:nvSpPr>
               <p:cNvPr id="14" name="橢圓 13">
@@ -11958,7 +11959,7 @@
             </p:txBody>
           </p:sp>
         </mc:Choice>
-        <mc:Fallback>
+        <mc:Fallback xmlns="">
           <p:sp>
             <p:nvSpPr>
               <p:cNvPr id="14" name="橢圓 13">
@@ -13620,8 +13621,8 @@
           </a:fontRef>
         </p:style>
       </p:cxnSp>
-      <mc:AlternateContent xmlns:mc="http://schemas.openxmlformats.org/markup-compatibility/2006">
-        <mc:Choice xmlns:a14="http://schemas.microsoft.com/office/drawing/2010/main" Requires="a14">
+      <mc:AlternateContent xmlns:mc="http://schemas.openxmlformats.org/markup-compatibility/2006" xmlns:a14="http://schemas.microsoft.com/office/drawing/2010/main">
+        <mc:Choice Requires="a14">
           <p:sp>
             <p:nvSpPr>
               <p:cNvPr id="14" name="橢圓 13">
@@ -13707,7 +13708,7 @@
             </p:txBody>
           </p:sp>
         </mc:Choice>
-        <mc:Fallback>
+        <mc:Fallback xmlns="">
           <p:sp>
             <p:nvSpPr>
               <p:cNvPr id="14" name="橢圓 13">
@@ -14845,8 +14846,8 @@
             </a:p>
           </p:txBody>
         </p:sp>
-        <mc:AlternateContent xmlns:mc="http://schemas.openxmlformats.org/markup-compatibility/2006">
-          <mc:Choice xmlns:a14="http://schemas.microsoft.com/office/drawing/2010/main" Requires="a14">
+        <mc:AlternateContent xmlns:mc="http://schemas.openxmlformats.org/markup-compatibility/2006" xmlns:a14="http://schemas.microsoft.com/office/drawing/2010/main">
+          <mc:Choice Requires="a14">
             <p:sp>
               <p:nvSpPr>
                 <p:cNvPr id="37" name="文字方塊 36">
@@ -14875,6 +14876,7 @@
                 </a:bodyPr>
                 <a:lstStyle/>
                 <a:p>
+                  <a:pPr/>
                   <a14:m>
                     <m:oMathPara xmlns:m="http://schemas.openxmlformats.org/officeDocument/2006/math">
                       <m:oMathParaPr>
@@ -14938,7 +14940,7 @@
               </p:txBody>
             </p:sp>
           </mc:Choice>
-          <mc:Fallback>
+          <mc:Fallback xmlns="">
             <p:sp>
               <p:nvSpPr>
                 <p:cNvPr id="37" name="文字方塊 36">
@@ -15446,8 +15448,8 @@
           </a:fontRef>
         </p:style>
       </p:cxnSp>
-      <mc:AlternateContent xmlns:mc="http://schemas.openxmlformats.org/markup-compatibility/2006">
-        <mc:Choice xmlns:a14="http://schemas.microsoft.com/office/drawing/2010/main" Requires="a14">
+      <mc:AlternateContent xmlns:mc="http://schemas.openxmlformats.org/markup-compatibility/2006" xmlns:a14="http://schemas.microsoft.com/office/drawing/2010/main">
+        <mc:Choice Requires="a14">
           <p:sp>
             <p:nvSpPr>
               <p:cNvPr id="14" name="橢圓 13">
@@ -15533,7 +15535,7 @@
             </p:txBody>
           </p:sp>
         </mc:Choice>
-        <mc:Fallback>
+        <mc:Fallback xmlns="">
           <p:sp>
             <p:nvSpPr>
               <p:cNvPr id="14" name="橢圓 13">
@@ -16588,8 +16590,8 @@
             </a:p>
           </p:txBody>
         </p:sp>
-        <mc:AlternateContent xmlns:mc="http://schemas.openxmlformats.org/markup-compatibility/2006">
-          <mc:Choice xmlns:a14="http://schemas.microsoft.com/office/drawing/2010/main" Requires="a14">
+        <mc:AlternateContent xmlns:mc="http://schemas.openxmlformats.org/markup-compatibility/2006" xmlns:a14="http://schemas.microsoft.com/office/drawing/2010/main">
+          <mc:Choice Requires="a14">
             <p:sp>
               <p:nvSpPr>
                 <p:cNvPr id="37" name="文字方塊 36">
@@ -16618,6 +16620,7 @@
                 </a:bodyPr>
                 <a:lstStyle/>
                 <a:p>
+                  <a:pPr/>
                   <a14:m>
                     <m:oMathPara xmlns:m="http://schemas.openxmlformats.org/officeDocument/2006/math">
                       <m:oMathParaPr>
@@ -16681,7 +16684,7 @@
               </p:txBody>
             </p:sp>
           </mc:Choice>
-          <mc:Fallback>
+          <mc:Fallback xmlns="">
             <p:sp>
               <p:nvSpPr>
                 <p:cNvPr id="37" name="文字方塊 36">
@@ -17371,8 +17374,8 @@
           </a:fontRef>
         </p:style>
       </p:cxnSp>
-      <mc:AlternateContent xmlns:mc="http://schemas.openxmlformats.org/markup-compatibility/2006">
-        <mc:Choice xmlns:a14="http://schemas.microsoft.com/office/drawing/2010/main" Requires="a14">
+      <mc:AlternateContent xmlns:mc="http://schemas.openxmlformats.org/markup-compatibility/2006" xmlns:a14="http://schemas.microsoft.com/office/drawing/2010/main">
+        <mc:Choice Requires="a14">
           <p:sp>
             <p:nvSpPr>
               <p:cNvPr id="14" name="橢圓 13">
@@ -17458,7 +17461,7 @@
             </p:txBody>
           </p:sp>
         </mc:Choice>
-        <mc:Fallback>
+        <mc:Fallback xmlns="">
           <p:sp>
             <p:nvSpPr>
               <p:cNvPr id="14" name="橢圓 13">
@@ -18513,8 +18516,8 @@
             </a:p>
           </p:txBody>
         </p:sp>
-        <mc:AlternateContent xmlns:mc="http://schemas.openxmlformats.org/markup-compatibility/2006">
-          <mc:Choice xmlns:a14="http://schemas.microsoft.com/office/drawing/2010/main" Requires="a14">
+        <mc:AlternateContent xmlns:mc="http://schemas.openxmlformats.org/markup-compatibility/2006" xmlns:a14="http://schemas.microsoft.com/office/drawing/2010/main">
+          <mc:Choice Requires="a14">
             <p:sp>
               <p:nvSpPr>
                 <p:cNvPr id="37" name="文字方塊 36">
@@ -18543,6 +18546,7 @@
                 </a:bodyPr>
                 <a:lstStyle/>
                 <a:p>
+                  <a:pPr/>
                   <a14:m>
                     <m:oMathPara xmlns:m="http://schemas.openxmlformats.org/officeDocument/2006/math">
                       <m:oMathParaPr>
@@ -18606,7 +18610,7 @@
               </p:txBody>
             </p:sp>
           </mc:Choice>
-          <mc:Fallback>
+          <mc:Fallback xmlns="">
             <p:sp>
               <p:nvSpPr>
                 <p:cNvPr id="37" name="文字方塊 36">
@@ -19393,8 +19397,8 @@
           </a:fontRef>
         </p:style>
       </p:cxnSp>
-      <mc:AlternateContent xmlns:mc="http://schemas.openxmlformats.org/markup-compatibility/2006">
-        <mc:Choice xmlns:a14="http://schemas.microsoft.com/office/drawing/2010/main" Requires="a14">
+      <mc:AlternateContent xmlns:mc="http://schemas.openxmlformats.org/markup-compatibility/2006" xmlns:a14="http://schemas.microsoft.com/office/drawing/2010/main">
+        <mc:Choice Requires="a14">
           <p:sp>
             <p:nvSpPr>
               <p:cNvPr id="14" name="橢圓 13">
@@ -19480,7 +19484,7 @@
             </p:txBody>
           </p:sp>
         </mc:Choice>
-        <mc:Fallback>
+        <mc:Fallback xmlns="">
           <p:sp>
             <p:nvSpPr>
               <p:cNvPr id="14" name="橢圓 13">
@@ -20535,8 +20539,8 @@
             </a:p>
           </p:txBody>
         </p:sp>
-        <mc:AlternateContent xmlns:mc="http://schemas.openxmlformats.org/markup-compatibility/2006">
-          <mc:Choice xmlns:a14="http://schemas.microsoft.com/office/drawing/2010/main" Requires="a14">
+        <mc:AlternateContent xmlns:mc="http://schemas.openxmlformats.org/markup-compatibility/2006" xmlns:a14="http://schemas.microsoft.com/office/drawing/2010/main">
+          <mc:Choice Requires="a14">
             <p:sp>
               <p:nvSpPr>
                 <p:cNvPr id="37" name="文字方塊 36">
@@ -20565,6 +20569,7 @@
                 </a:bodyPr>
                 <a:lstStyle/>
                 <a:p>
+                  <a:pPr/>
                   <a14:m>
                     <m:oMathPara xmlns:m="http://schemas.openxmlformats.org/officeDocument/2006/math">
                       <m:oMathParaPr>
@@ -20628,7 +20633,7 @@
               </p:txBody>
             </p:sp>
           </mc:Choice>
-          <mc:Fallback>
+          <mc:Fallback xmlns="">
             <p:sp>
               <p:nvSpPr>
                 <p:cNvPr id="37" name="文字方塊 36">
@@ -21318,8 +21323,8 @@
           </a:fontRef>
         </p:style>
       </p:cxnSp>
-      <mc:AlternateContent xmlns:mc="http://schemas.openxmlformats.org/markup-compatibility/2006">
-        <mc:Choice xmlns:a14="http://schemas.microsoft.com/office/drawing/2010/main" Requires="a14">
+      <mc:AlternateContent xmlns:mc="http://schemas.openxmlformats.org/markup-compatibility/2006" xmlns:a14="http://schemas.microsoft.com/office/drawing/2010/main">
+        <mc:Choice Requires="a14">
           <p:sp>
             <p:nvSpPr>
               <p:cNvPr id="14" name="橢圓 13">
@@ -21405,7 +21410,7 @@
             </p:txBody>
           </p:sp>
         </mc:Choice>
-        <mc:Fallback>
+        <mc:Fallback xmlns="">
           <p:sp>
             <p:nvSpPr>
               <p:cNvPr id="14" name="橢圓 13">
@@ -22460,8 +22465,8 @@
             </a:p>
           </p:txBody>
         </p:sp>
-        <mc:AlternateContent xmlns:mc="http://schemas.openxmlformats.org/markup-compatibility/2006">
-          <mc:Choice xmlns:a14="http://schemas.microsoft.com/office/drawing/2010/main" Requires="a14">
+        <mc:AlternateContent xmlns:mc="http://schemas.openxmlformats.org/markup-compatibility/2006" xmlns:a14="http://schemas.microsoft.com/office/drawing/2010/main">
+          <mc:Choice Requires="a14">
             <p:sp>
               <p:nvSpPr>
                 <p:cNvPr id="37" name="文字方塊 36">
@@ -22490,6 +22495,7 @@
                 </a:bodyPr>
                 <a:lstStyle/>
                 <a:p>
+                  <a:pPr/>
                   <a14:m>
                     <m:oMathPara xmlns:m="http://schemas.openxmlformats.org/officeDocument/2006/math">
                       <m:oMathParaPr>
@@ -22553,7 +22559,7 @@
               </p:txBody>
             </p:sp>
           </mc:Choice>
-          <mc:Fallback>
+          <mc:Fallback xmlns="">
             <p:sp>
               <p:nvSpPr>
                 <p:cNvPr id="37" name="文字方塊 36">
@@ -25908,13 +25914,6 @@
               </a:rPr>
               <a:t>低於臨界值</a:t>
             </a:r>
-            <a:endParaRPr kumimoji="1" lang="zh-TW" altLang="en-US" sz="2000" dirty="0">
-              <a:highlight>
-                <a:srgbClr val="00FF00"/>
-              </a:highlight>
-              <a:latin typeface="Heiti SC Medium" pitchFamily="2" charset="-128"/>
-              <a:ea typeface="Heiti SC Medium" pitchFamily="2" charset="-128"/>
-            </a:endParaRPr>
           </a:p>
         </p:txBody>
       </p:sp>
@@ -25956,13 +25955,6 @@
               </a:rPr>
               <a:t>高於臨界值</a:t>
             </a:r>
-            <a:endParaRPr kumimoji="1" lang="zh-TW" altLang="en-US" sz="2000" dirty="0">
-              <a:highlight>
-                <a:srgbClr val="FF0000"/>
-              </a:highlight>
-              <a:latin typeface="Heiti SC Medium" pitchFamily="2" charset="-128"/>
-              <a:ea typeface="Heiti SC Medium" pitchFamily="2" charset="-128"/>
-            </a:endParaRPr>
           </a:p>
         </p:txBody>
       </p:sp>
@@ -26432,13 +26424,6 @@
               </a:rPr>
               <a:t>低於臨界值</a:t>
             </a:r>
-            <a:endParaRPr kumimoji="1" lang="zh-TW" altLang="en-US" sz="2000" dirty="0">
-              <a:highlight>
-                <a:srgbClr val="00FF00"/>
-              </a:highlight>
-              <a:latin typeface="Heiti SC Medium" pitchFamily="2" charset="-128"/>
-              <a:ea typeface="Heiti SC Medium" pitchFamily="2" charset="-128"/>
-            </a:endParaRPr>
           </a:p>
         </p:txBody>
       </p:sp>
@@ -26480,13 +26465,6 @@
               </a:rPr>
               <a:t>高於臨界值</a:t>
             </a:r>
-            <a:endParaRPr kumimoji="1" lang="zh-TW" altLang="en-US" sz="2000" dirty="0">
-              <a:highlight>
-                <a:srgbClr val="FF0000"/>
-              </a:highlight>
-              <a:latin typeface="Heiti SC Medium" pitchFamily="2" charset="-128"/>
-              <a:ea typeface="Heiti SC Medium" pitchFamily="2" charset="-128"/>
-            </a:endParaRPr>
           </a:p>
         </p:txBody>
       </p:sp>
@@ -26955,13 +26933,6 @@
               </a:rPr>
               <a:t>低於臨界值</a:t>
             </a:r>
-            <a:endParaRPr kumimoji="1" lang="zh-TW" altLang="en-US" sz="2000" dirty="0">
-              <a:highlight>
-                <a:srgbClr val="00FF00"/>
-              </a:highlight>
-              <a:latin typeface="Heiti SC Medium" pitchFamily="2" charset="-128"/>
-              <a:ea typeface="Heiti SC Medium" pitchFamily="2" charset="-128"/>
-            </a:endParaRPr>
           </a:p>
         </p:txBody>
       </p:sp>
@@ -27003,13 +26974,6 @@
               </a:rPr>
               <a:t>高於臨界值</a:t>
             </a:r>
-            <a:endParaRPr kumimoji="1" lang="zh-TW" altLang="en-US" sz="2000" dirty="0">
-              <a:highlight>
-                <a:srgbClr val="FF0000"/>
-              </a:highlight>
-              <a:latin typeface="Heiti SC Medium" pitchFamily="2" charset="-128"/>
-              <a:ea typeface="Heiti SC Medium" pitchFamily="2" charset="-128"/>
-            </a:endParaRPr>
           </a:p>
         </p:txBody>
       </p:sp>
@@ -27540,13 +27504,6 @@
               </a:rPr>
               <a:t>低於臨界值</a:t>
             </a:r>
-            <a:endParaRPr kumimoji="1" lang="zh-TW" altLang="en-US" sz="2000" dirty="0">
-              <a:highlight>
-                <a:srgbClr val="00FF00"/>
-              </a:highlight>
-              <a:latin typeface="Heiti SC Medium" pitchFamily="2" charset="-128"/>
-              <a:ea typeface="Heiti SC Medium" pitchFamily="2" charset="-128"/>
-            </a:endParaRPr>
           </a:p>
         </p:txBody>
       </p:sp>
@@ -27588,13 +27545,6 @@
               </a:rPr>
               <a:t>高於臨界值</a:t>
             </a:r>
-            <a:endParaRPr kumimoji="1" lang="zh-TW" altLang="en-US" sz="2000" dirty="0">
-              <a:highlight>
-                <a:srgbClr val="FF0000"/>
-              </a:highlight>
-              <a:latin typeface="Heiti SC Medium" pitchFamily="2" charset="-128"/>
-              <a:ea typeface="Heiti SC Medium" pitchFamily="2" charset="-128"/>
-            </a:endParaRPr>
           </a:p>
         </p:txBody>
       </p:sp>
@@ -28390,13 +28340,6 @@
               </a:rPr>
               <a:t>低於臨界值</a:t>
             </a:r>
-            <a:endParaRPr kumimoji="1" lang="zh-TW" altLang="en-US" sz="2000" dirty="0">
-              <a:highlight>
-                <a:srgbClr val="00FF00"/>
-              </a:highlight>
-              <a:latin typeface="Heiti SC Medium" pitchFamily="2" charset="-128"/>
-              <a:ea typeface="Heiti SC Medium" pitchFamily="2" charset="-128"/>
-            </a:endParaRPr>
           </a:p>
         </p:txBody>
       </p:sp>
@@ -28438,13 +28381,6 @@
               </a:rPr>
               <a:t>高於臨界值</a:t>
             </a:r>
-            <a:endParaRPr kumimoji="1" lang="zh-TW" altLang="en-US" sz="2000" dirty="0">
-              <a:highlight>
-                <a:srgbClr val="FF0000"/>
-              </a:highlight>
-              <a:latin typeface="Heiti SC Medium" pitchFamily="2" charset="-128"/>
-              <a:ea typeface="Heiti SC Medium" pitchFamily="2" charset="-128"/>
-            </a:endParaRPr>
           </a:p>
         </p:txBody>
       </p:sp>
@@ -28581,10 +28517,6 @@
               </a:rPr>
               <a:t>能夠決定一個分界點。</a:t>
             </a:r>
-            <a:endParaRPr kumimoji="1" lang="zh-TW" altLang="en-US" sz="2400" dirty="0">
-              <a:latin typeface="Heiti SC Medium" pitchFamily="2" charset="-128"/>
-              <a:ea typeface="Heiti SC Medium" pitchFamily="2" charset="-128"/>
-            </a:endParaRPr>
           </a:p>
         </p:txBody>
       </p:sp>
@@ -28995,13 +28927,6 @@
               </a:rPr>
               <a:t>低於臨界值</a:t>
             </a:r>
-            <a:endParaRPr kumimoji="1" lang="zh-TW" altLang="en-US" sz="2000" dirty="0">
-              <a:highlight>
-                <a:srgbClr val="00FF00"/>
-              </a:highlight>
-              <a:latin typeface="Heiti SC Medium" pitchFamily="2" charset="-128"/>
-              <a:ea typeface="Heiti SC Medium" pitchFamily="2" charset="-128"/>
-            </a:endParaRPr>
           </a:p>
         </p:txBody>
       </p:sp>
@@ -29043,13 +28968,6 @@
               </a:rPr>
               <a:t>高於臨界值</a:t>
             </a:r>
-            <a:endParaRPr kumimoji="1" lang="zh-TW" altLang="en-US" sz="2000" dirty="0">
-              <a:highlight>
-                <a:srgbClr val="FF0000"/>
-              </a:highlight>
-              <a:latin typeface="Heiti SC Medium" pitchFamily="2" charset="-128"/>
-              <a:ea typeface="Heiti SC Medium" pitchFamily="2" charset="-128"/>
-            </a:endParaRPr>
           </a:p>
         </p:txBody>
       </p:sp>
@@ -29194,10 +29112,6 @@
               </a:rPr>
               <a:t>上課還醒著嗎？各位？</a:t>
             </a:r>
-            <a:endParaRPr kumimoji="1" lang="zh-TW" altLang="en-US" sz="2400" dirty="0">
-              <a:latin typeface="Heiti SC Medium" pitchFamily="2" charset="-128"/>
-              <a:ea typeface="Heiti SC Medium" pitchFamily="2" charset="-128"/>
-            </a:endParaRPr>
           </a:p>
         </p:txBody>
       </p:sp>
@@ -29231,516 +29145,6 @@
           <a:chExt cx="0" cy="0"/>
         </a:xfrm>
       </p:grpSpPr>
-      <p:sp>
-        <p:nvSpPr>
-          <p:cNvPr id="2" name="標題 1">
-            <a:extLst>
-              <a:ext uri="{FF2B5EF4-FFF2-40B4-BE49-F238E27FC236}">
-                <a16:creationId xmlns:a16="http://schemas.microsoft.com/office/drawing/2014/main" id="{B56DFD20-93E0-9247-B811-534AF4684907}"/>
-              </a:ext>
-            </a:extLst>
-          </p:cNvPr>
-          <p:cNvSpPr>
-            <a:spLocks noGrp="1"/>
-          </p:cNvSpPr>
-          <p:nvPr>
-            <p:ph type="title"/>
-          </p:nvPr>
-        </p:nvSpPr>
-        <p:spPr/>
-        <p:txBody>
-          <a:bodyPr/>
-          <a:lstStyle/>
-          <a:p>
-            <a:r>
-              <a:rPr kumimoji="1" lang="zh-TW" altLang="en-US" dirty="0">
-                <a:latin typeface="Heiti SC Medium" pitchFamily="2" charset="-128"/>
-                <a:ea typeface="Heiti SC Medium" pitchFamily="2" charset="-128"/>
-              </a:rPr>
-              <a:t>𝜃值是什麼？</a:t>
-            </a:r>
-          </a:p>
-        </p:txBody>
-      </p:sp>
-      <p:pic>
-        <p:nvPicPr>
-          <p:cNvPr id="8" name="圖片 7">
-            <a:extLst>
-              <a:ext uri="{FF2B5EF4-FFF2-40B4-BE49-F238E27FC236}">
-                <a16:creationId xmlns:a16="http://schemas.microsoft.com/office/drawing/2014/main" id="{0A35BC3D-BF52-5F4A-81A6-CBC12C891863}"/>
-              </a:ext>
-            </a:extLst>
-          </p:cNvPr>
-          <p:cNvPicPr>
-            <a:picLocks noChangeAspect="1"/>
-          </p:cNvPicPr>
-          <p:nvPr/>
-        </p:nvPicPr>
-        <p:blipFill rotWithShape="1">
-          <a:blip r:embed="rId2"/>
-          <a:srcRect r="72814"/>
-          <a:stretch/>
-        </p:blipFill>
-        <p:spPr>
-          <a:xfrm>
-            <a:off x="8743800" y="2950280"/>
-            <a:ext cx="2196000" cy="957439"/>
-          </a:xfrm>
-          <a:prstGeom prst="rect">
-            <a:avLst/>
-          </a:prstGeom>
-        </p:spPr>
-      </p:pic>
-      <p:pic>
-        <p:nvPicPr>
-          <p:cNvPr id="9" name="圖片 8">
-            <a:extLst>
-              <a:ext uri="{FF2B5EF4-FFF2-40B4-BE49-F238E27FC236}">
-                <a16:creationId xmlns:a16="http://schemas.microsoft.com/office/drawing/2014/main" id="{ED30BB29-3B38-B84B-85F2-95D6F117CFD4}"/>
-              </a:ext>
-            </a:extLst>
-          </p:cNvPr>
-          <p:cNvPicPr>
-            <a:picLocks noChangeAspect="1"/>
-          </p:cNvPicPr>
-          <p:nvPr/>
-        </p:nvPicPr>
-        <p:blipFill rotWithShape="1">
-          <a:blip r:embed="rId2"/>
-          <a:srcRect l="27753" r="34560"/>
-          <a:stretch/>
-        </p:blipFill>
-        <p:spPr>
-          <a:xfrm>
-            <a:off x="8329800" y="4043012"/>
-            <a:ext cx="3024000" cy="951095"/>
-          </a:xfrm>
-          <a:prstGeom prst="rect">
-            <a:avLst/>
-          </a:prstGeom>
-        </p:spPr>
-      </p:pic>
-      <p:pic>
-        <p:nvPicPr>
-          <p:cNvPr id="10" name="圖片 9">
-            <a:extLst>
-              <a:ext uri="{FF2B5EF4-FFF2-40B4-BE49-F238E27FC236}">
-                <a16:creationId xmlns:a16="http://schemas.microsoft.com/office/drawing/2014/main" id="{876C4FE2-2384-FD41-A9FE-B70053E6D7BB}"/>
-              </a:ext>
-            </a:extLst>
-          </p:cNvPr>
-          <p:cNvPicPr>
-            <a:picLocks noChangeAspect="1"/>
-          </p:cNvPicPr>
-          <p:nvPr/>
-        </p:nvPicPr>
-        <p:blipFill rotWithShape="1">
-          <a:blip r:embed="rId2"/>
-          <a:srcRect l="67160"/>
-          <a:stretch/>
-        </p:blipFill>
-        <p:spPr>
-          <a:xfrm>
-            <a:off x="8527800" y="5129400"/>
-            <a:ext cx="2628000" cy="948528"/>
-          </a:xfrm>
-          <a:prstGeom prst="rect">
-            <a:avLst/>
-          </a:prstGeom>
-        </p:spPr>
-      </p:pic>
-      <p:sp>
-        <p:nvSpPr>
-          <p:cNvPr id="15" name="矩形 14">
-            <a:extLst>
-              <a:ext uri="{FF2B5EF4-FFF2-40B4-BE49-F238E27FC236}">
-                <a16:creationId xmlns:a16="http://schemas.microsoft.com/office/drawing/2014/main" id="{FDCA6943-EFA8-4141-805A-9E3C6136228B}"/>
-              </a:ext>
-            </a:extLst>
-          </p:cNvPr>
-          <p:cNvSpPr/>
-          <p:nvPr/>
-        </p:nvSpPr>
-        <p:spPr>
-          <a:xfrm>
-            <a:off x="8329799" y="3872478"/>
-            <a:ext cx="3023999" cy="1228024"/>
-          </a:xfrm>
-          <a:prstGeom prst="rect">
-            <a:avLst/>
-          </a:prstGeom>
-          <a:noFill/>
-          <a:ln w="76200">
-            <a:solidFill>
-              <a:srgbClr val="FFC000"/>
-            </a:solidFill>
-          </a:ln>
-        </p:spPr>
-        <p:style>
-          <a:lnRef idx="2">
-            <a:schemeClr val="accent1">
-              <a:shade val="50000"/>
-            </a:schemeClr>
-          </a:lnRef>
-          <a:fillRef idx="1">
-            <a:schemeClr val="accent1"/>
-          </a:fillRef>
-          <a:effectRef idx="0">
-            <a:schemeClr val="accent1"/>
-          </a:effectRef>
-          <a:fontRef idx="minor">
-            <a:schemeClr val="lt1"/>
-          </a:fontRef>
-        </p:style>
-        <p:txBody>
-          <a:bodyPr rtlCol="0" anchor="ctr"/>
-          <a:lstStyle/>
-          <a:p>
-            <a:pPr algn="ctr"/>
-            <a:endParaRPr kumimoji="1" lang="zh-TW" altLang="en-US"/>
-          </a:p>
-        </p:txBody>
-      </p:sp>
-      <p:sp>
-        <p:nvSpPr>
-          <p:cNvPr id="16" name="矩形 15">
-            <a:extLst>
-              <a:ext uri="{FF2B5EF4-FFF2-40B4-BE49-F238E27FC236}">
-                <a16:creationId xmlns:a16="http://schemas.microsoft.com/office/drawing/2014/main" id="{F3A285B2-187F-574C-972C-E0A11985D268}"/>
-              </a:ext>
-            </a:extLst>
-          </p:cNvPr>
-          <p:cNvSpPr/>
-          <p:nvPr/>
-        </p:nvSpPr>
-        <p:spPr>
-          <a:xfrm>
-            <a:off x="8527800" y="2814989"/>
-            <a:ext cx="2306104" cy="1028591"/>
-          </a:xfrm>
-          <a:prstGeom prst="rect">
-            <a:avLst/>
-          </a:prstGeom>
-          <a:noFill/>
-          <a:ln w="76200">
-            <a:solidFill>
-              <a:srgbClr val="00B050"/>
-            </a:solidFill>
-          </a:ln>
-        </p:spPr>
-        <p:style>
-          <a:lnRef idx="2">
-            <a:schemeClr val="accent1">
-              <a:shade val="50000"/>
-            </a:schemeClr>
-          </a:lnRef>
-          <a:fillRef idx="1">
-            <a:schemeClr val="accent1"/>
-          </a:fillRef>
-          <a:effectRef idx="0">
-            <a:schemeClr val="accent1"/>
-          </a:effectRef>
-          <a:fontRef idx="minor">
-            <a:schemeClr val="lt1"/>
-          </a:fontRef>
-        </p:style>
-        <p:txBody>
-          <a:bodyPr rtlCol="0" anchor="ctr"/>
-          <a:lstStyle/>
-          <a:p>
-            <a:pPr algn="ctr"/>
-            <a:endParaRPr kumimoji="1" lang="zh-TW" altLang="en-US"/>
-          </a:p>
-        </p:txBody>
-      </p:sp>
-      <p:sp>
-        <p:nvSpPr>
-          <p:cNvPr id="5" name="手繪多邊形 4">
-            <a:extLst>
-              <a:ext uri="{FF2B5EF4-FFF2-40B4-BE49-F238E27FC236}">
-                <a16:creationId xmlns:a16="http://schemas.microsoft.com/office/drawing/2014/main" id="{86508CCE-222D-1247-8776-C2C67AD45133}"/>
-              </a:ext>
-            </a:extLst>
-          </p:cNvPr>
-          <p:cNvSpPr/>
-          <p:nvPr/>
-        </p:nvSpPr>
-        <p:spPr>
-          <a:xfrm>
-            <a:off x="7411712" y="2534856"/>
-            <a:ext cx="933635" cy="891250"/>
-          </a:xfrm>
-          <a:custGeom>
-            <a:avLst/>
-            <a:gdLst>
-              <a:gd name="connsiteX0" fmla="*/ 7660 w 933635"/>
-              <a:gd name="connsiteY0" fmla="*/ 0 h 891250"/>
-              <a:gd name="connsiteX1" fmla="*/ 134982 w 933635"/>
-              <a:gd name="connsiteY1" fmla="*/ 601883 h 891250"/>
-              <a:gd name="connsiteX2" fmla="*/ 933635 w 933635"/>
-              <a:gd name="connsiteY2" fmla="*/ 891250 h 891250"/>
-            </a:gdLst>
-            <a:ahLst/>
-            <a:cxnLst>
-              <a:cxn ang="0">
-                <a:pos x="connsiteX0" y="connsiteY0"/>
-              </a:cxn>
-              <a:cxn ang="0">
-                <a:pos x="connsiteX1" y="connsiteY1"/>
-              </a:cxn>
-              <a:cxn ang="0">
-                <a:pos x="connsiteX2" y="connsiteY2"/>
-              </a:cxn>
-            </a:cxnLst>
-            <a:rect l="l" t="t" r="r" b="b"/>
-            <a:pathLst>
-              <a:path w="933635" h="891250">
-                <a:moveTo>
-                  <a:pt x="7660" y="0"/>
-                </a:moveTo>
-                <a:cubicBezTo>
-                  <a:pt x="-5844" y="226670"/>
-                  <a:pt x="-19347" y="453341"/>
-                  <a:pt x="134982" y="601883"/>
-                </a:cubicBezTo>
-                <a:cubicBezTo>
-                  <a:pt x="289311" y="750425"/>
-                  <a:pt x="611473" y="820837"/>
-                  <a:pt x="933635" y="891250"/>
-                </a:cubicBezTo>
-              </a:path>
-            </a:pathLst>
-          </a:custGeom>
-          <a:noFill/>
-          <a:ln w="57150">
-            <a:solidFill>
-              <a:srgbClr val="FF0000"/>
-            </a:solidFill>
-            <a:headEnd type="none" w="med" len="med"/>
-            <a:tailEnd type="triangle" w="med" len="med"/>
-          </a:ln>
-        </p:spPr>
-        <p:style>
-          <a:lnRef idx="2">
-            <a:schemeClr val="accent1">
-              <a:shade val="50000"/>
-            </a:schemeClr>
-          </a:lnRef>
-          <a:fillRef idx="1">
-            <a:schemeClr val="accent1"/>
-          </a:fillRef>
-          <a:effectRef idx="0">
-            <a:schemeClr val="accent1"/>
-          </a:effectRef>
-          <a:fontRef idx="minor">
-            <a:schemeClr val="lt1"/>
-          </a:fontRef>
-        </p:style>
-        <p:txBody>
-          <a:bodyPr rtlCol="0" anchor="ctr"/>
-          <a:lstStyle/>
-          <a:p>
-            <a:pPr algn="ctr"/>
-            <a:endParaRPr kumimoji="1" lang="zh-TW" altLang="en-US"/>
-          </a:p>
-        </p:txBody>
-      </p:sp>
-      <p:sp>
-        <p:nvSpPr>
-          <p:cNvPr id="7" name="手繪多邊形 6">
-            <a:extLst>
-              <a:ext uri="{FF2B5EF4-FFF2-40B4-BE49-F238E27FC236}">
-                <a16:creationId xmlns:a16="http://schemas.microsoft.com/office/drawing/2014/main" id="{97E4EF9F-62B8-7445-8F6D-851E354E4F8F}"/>
-              </a:ext>
-            </a:extLst>
-          </p:cNvPr>
-          <p:cNvSpPr/>
-          <p:nvPr/>
-        </p:nvSpPr>
-        <p:spPr>
-          <a:xfrm>
-            <a:off x="7361076" y="2558005"/>
-            <a:ext cx="799076" cy="1817225"/>
-          </a:xfrm>
-          <a:custGeom>
-            <a:avLst/>
-            <a:gdLst>
-              <a:gd name="connsiteX0" fmla="*/ 46721 w 799076"/>
-              <a:gd name="connsiteY0" fmla="*/ 0 h 1817225"/>
-              <a:gd name="connsiteX1" fmla="*/ 81446 w 799076"/>
-              <a:gd name="connsiteY1" fmla="*/ 1145894 h 1817225"/>
-              <a:gd name="connsiteX2" fmla="*/ 799076 w 799076"/>
-              <a:gd name="connsiteY2" fmla="*/ 1817225 h 1817225"/>
-            </a:gdLst>
-            <a:ahLst/>
-            <a:cxnLst>
-              <a:cxn ang="0">
-                <a:pos x="connsiteX0" y="connsiteY0"/>
-              </a:cxn>
-              <a:cxn ang="0">
-                <a:pos x="connsiteX1" y="connsiteY1"/>
-              </a:cxn>
-              <a:cxn ang="0">
-                <a:pos x="connsiteX2" y="connsiteY2"/>
-              </a:cxn>
-            </a:cxnLst>
-            <a:rect l="l" t="t" r="r" b="b"/>
-            <a:pathLst>
-              <a:path w="799076" h="1817225">
-                <a:moveTo>
-                  <a:pt x="46721" y="0"/>
-                </a:moveTo>
-                <a:cubicBezTo>
-                  <a:pt x="1387" y="421511"/>
-                  <a:pt x="-43947" y="843023"/>
-                  <a:pt x="81446" y="1145894"/>
-                </a:cubicBezTo>
-                <a:cubicBezTo>
-                  <a:pt x="206839" y="1448765"/>
-                  <a:pt x="502957" y="1632995"/>
-                  <a:pt x="799076" y="1817225"/>
-                </a:cubicBezTo>
-              </a:path>
-            </a:pathLst>
-          </a:custGeom>
-          <a:noFill/>
-          <a:ln w="57150">
-            <a:solidFill>
-              <a:srgbClr val="FF0000"/>
-            </a:solidFill>
-            <a:headEnd type="none" w="med" len="med"/>
-            <a:tailEnd type="triangle" w="med" len="med"/>
-          </a:ln>
-        </p:spPr>
-        <p:style>
-          <a:lnRef idx="2">
-            <a:schemeClr val="accent1">
-              <a:shade val="50000"/>
-            </a:schemeClr>
-          </a:lnRef>
-          <a:fillRef idx="1">
-            <a:schemeClr val="accent1"/>
-          </a:fillRef>
-          <a:effectRef idx="0">
-            <a:schemeClr val="accent1"/>
-          </a:effectRef>
-          <a:fontRef idx="minor">
-            <a:schemeClr val="lt1"/>
-          </a:fontRef>
-        </p:style>
-        <p:txBody>
-          <a:bodyPr rtlCol="0" anchor="ctr"/>
-          <a:lstStyle/>
-          <a:p>
-            <a:pPr algn="ctr"/>
-            <a:endParaRPr kumimoji="1" lang="zh-TW" altLang="en-US"/>
-          </a:p>
-        </p:txBody>
-      </p:sp>
-      <p:sp>
-        <p:nvSpPr>
-          <p:cNvPr id="17" name="矩形 16">
-            <a:extLst>
-              <a:ext uri="{FF2B5EF4-FFF2-40B4-BE49-F238E27FC236}">
-                <a16:creationId xmlns:a16="http://schemas.microsoft.com/office/drawing/2014/main" id="{6100CC27-A52F-0A4D-8B90-A699E4FE5FAC}"/>
-              </a:ext>
-            </a:extLst>
-          </p:cNvPr>
-          <p:cNvSpPr/>
-          <p:nvPr/>
-        </p:nvSpPr>
-        <p:spPr>
-          <a:xfrm>
-            <a:off x="10440365" y="3183038"/>
-            <a:ext cx="393539" cy="462987"/>
-          </a:xfrm>
-          <a:prstGeom prst="rect">
-            <a:avLst/>
-          </a:prstGeom>
-          <a:noFill/>
-          <a:ln w="38100">
-            <a:solidFill>
-              <a:srgbClr val="FF0000"/>
-            </a:solidFill>
-          </a:ln>
-        </p:spPr>
-        <p:style>
-          <a:lnRef idx="2">
-            <a:schemeClr val="accent1">
-              <a:shade val="50000"/>
-            </a:schemeClr>
-          </a:lnRef>
-          <a:fillRef idx="1">
-            <a:schemeClr val="accent1"/>
-          </a:fillRef>
-          <a:effectRef idx="0">
-            <a:schemeClr val="accent1"/>
-          </a:effectRef>
-          <a:fontRef idx="minor">
-            <a:schemeClr val="lt1"/>
-          </a:fontRef>
-        </p:style>
-        <p:txBody>
-          <a:bodyPr rtlCol="0" anchor="ctr"/>
-          <a:lstStyle/>
-          <a:p>
-            <a:pPr algn="ctr"/>
-            <a:endParaRPr kumimoji="1" lang="zh-TW" altLang="en-US"/>
-          </a:p>
-        </p:txBody>
-      </p:sp>
-      <p:sp>
-        <p:nvSpPr>
-          <p:cNvPr id="18" name="矩形 17">
-            <a:extLst>
-              <a:ext uri="{FF2B5EF4-FFF2-40B4-BE49-F238E27FC236}">
-                <a16:creationId xmlns:a16="http://schemas.microsoft.com/office/drawing/2014/main" id="{FB8BFA5B-D4FF-9448-A285-F7FD316CAE9B}"/>
-              </a:ext>
-            </a:extLst>
-          </p:cNvPr>
-          <p:cNvSpPr/>
-          <p:nvPr/>
-        </p:nvSpPr>
-        <p:spPr>
-          <a:xfrm>
-            <a:off x="8979567" y="4106172"/>
-            <a:ext cx="685294" cy="766485"/>
-          </a:xfrm>
-          <a:prstGeom prst="rect">
-            <a:avLst/>
-          </a:prstGeom>
-          <a:noFill/>
-          <a:ln w="38100">
-            <a:solidFill>
-              <a:srgbClr val="FF0000"/>
-            </a:solidFill>
-          </a:ln>
-        </p:spPr>
-        <p:style>
-          <a:lnRef idx="2">
-            <a:schemeClr val="accent1">
-              <a:shade val="50000"/>
-            </a:schemeClr>
-          </a:lnRef>
-          <a:fillRef idx="1">
-            <a:schemeClr val="accent1"/>
-          </a:fillRef>
-          <a:effectRef idx="0">
-            <a:schemeClr val="accent1"/>
-          </a:effectRef>
-          <a:fontRef idx="minor">
-            <a:schemeClr val="lt1"/>
-          </a:fontRef>
-        </p:style>
-        <p:txBody>
-          <a:bodyPr rtlCol="0" anchor="ctr"/>
-          <a:lstStyle/>
-          <a:p>
-            <a:pPr algn="ctr"/>
-            <a:endParaRPr kumimoji="1" lang="zh-TW" altLang="en-US"/>
-          </a:p>
-        </p:txBody>
-      </p:sp>
       <p:grpSp>
         <p:nvGrpSpPr>
           <p:cNvPr id="20" name="群組 19">
@@ -29776,7 +29180,7 @@
             <p:nvPr/>
           </p:nvPicPr>
           <p:blipFill>
-            <a:blip r:embed="rId3"/>
+            <a:blip r:embed="rId2"/>
             <a:stretch>
               <a:fillRect/>
             </a:stretch>
@@ -29838,6 +29242,516 @@
       </p:grpSp>
       <p:sp>
         <p:nvSpPr>
+          <p:cNvPr id="2" name="標題 1">
+            <a:extLst>
+              <a:ext uri="{FF2B5EF4-FFF2-40B4-BE49-F238E27FC236}">
+                <a16:creationId xmlns:a16="http://schemas.microsoft.com/office/drawing/2014/main" id="{B56DFD20-93E0-9247-B811-534AF4684907}"/>
+              </a:ext>
+            </a:extLst>
+          </p:cNvPr>
+          <p:cNvSpPr>
+            <a:spLocks noGrp="1"/>
+          </p:cNvSpPr>
+          <p:nvPr>
+            <p:ph type="title"/>
+          </p:nvPr>
+        </p:nvSpPr>
+        <p:spPr/>
+        <p:txBody>
+          <a:bodyPr/>
+          <a:lstStyle/>
+          <a:p>
+            <a:r>
+              <a:rPr kumimoji="1" lang="zh-TW" altLang="en-US" dirty="0">
+                <a:latin typeface="Heiti SC Medium" pitchFamily="2" charset="-128"/>
+                <a:ea typeface="Heiti SC Medium" pitchFamily="2" charset="-128"/>
+              </a:rPr>
+              <a:t>𝜃值是什麼？</a:t>
+            </a:r>
+          </a:p>
+        </p:txBody>
+      </p:sp>
+      <p:pic>
+        <p:nvPicPr>
+          <p:cNvPr id="8" name="圖片 7">
+            <a:extLst>
+              <a:ext uri="{FF2B5EF4-FFF2-40B4-BE49-F238E27FC236}">
+                <a16:creationId xmlns:a16="http://schemas.microsoft.com/office/drawing/2014/main" id="{0A35BC3D-BF52-5F4A-81A6-CBC12C891863}"/>
+              </a:ext>
+            </a:extLst>
+          </p:cNvPr>
+          <p:cNvPicPr>
+            <a:picLocks noChangeAspect="1"/>
+          </p:cNvPicPr>
+          <p:nvPr/>
+        </p:nvPicPr>
+        <p:blipFill rotWithShape="1">
+          <a:blip r:embed="rId3"/>
+          <a:srcRect r="72814"/>
+          <a:stretch/>
+        </p:blipFill>
+        <p:spPr>
+          <a:xfrm>
+            <a:off x="8743800" y="2950280"/>
+            <a:ext cx="2196000" cy="957439"/>
+          </a:xfrm>
+          <a:prstGeom prst="rect">
+            <a:avLst/>
+          </a:prstGeom>
+        </p:spPr>
+      </p:pic>
+      <p:pic>
+        <p:nvPicPr>
+          <p:cNvPr id="9" name="圖片 8">
+            <a:extLst>
+              <a:ext uri="{FF2B5EF4-FFF2-40B4-BE49-F238E27FC236}">
+                <a16:creationId xmlns:a16="http://schemas.microsoft.com/office/drawing/2014/main" id="{ED30BB29-3B38-B84B-85F2-95D6F117CFD4}"/>
+              </a:ext>
+            </a:extLst>
+          </p:cNvPr>
+          <p:cNvPicPr>
+            <a:picLocks noChangeAspect="1"/>
+          </p:cNvPicPr>
+          <p:nvPr/>
+        </p:nvPicPr>
+        <p:blipFill rotWithShape="1">
+          <a:blip r:embed="rId3"/>
+          <a:srcRect l="27753" r="34560"/>
+          <a:stretch/>
+        </p:blipFill>
+        <p:spPr>
+          <a:xfrm>
+            <a:off x="8329800" y="4043012"/>
+            <a:ext cx="3024000" cy="951095"/>
+          </a:xfrm>
+          <a:prstGeom prst="rect">
+            <a:avLst/>
+          </a:prstGeom>
+        </p:spPr>
+      </p:pic>
+      <p:pic>
+        <p:nvPicPr>
+          <p:cNvPr id="10" name="圖片 9">
+            <a:extLst>
+              <a:ext uri="{FF2B5EF4-FFF2-40B4-BE49-F238E27FC236}">
+                <a16:creationId xmlns:a16="http://schemas.microsoft.com/office/drawing/2014/main" id="{876C4FE2-2384-FD41-A9FE-B70053E6D7BB}"/>
+              </a:ext>
+            </a:extLst>
+          </p:cNvPr>
+          <p:cNvPicPr>
+            <a:picLocks noChangeAspect="1"/>
+          </p:cNvPicPr>
+          <p:nvPr/>
+        </p:nvPicPr>
+        <p:blipFill rotWithShape="1">
+          <a:blip r:embed="rId3"/>
+          <a:srcRect l="67160"/>
+          <a:stretch/>
+        </p:blipFill>
+        <p:spPr>
+          <a:xfrm>
+            <a:off x="8527800" y="5129400"/>
+            <a:ext cx="2628000" cy="948528"/>
+          </a:xfrm>
+          <a:prstGeom prst="rect">
+            <a:avLst/>
+          </a:prstGeom>
+        </p:spPr>
+      </p:pic>
+      <p:sp>
+        <p:nvSpPr>
+          <p:cNvPr id="15" name="矩形 14">
+            <a:extLst>
+              <a:ext uri="{FF2B5EF4-FFF2-40B4-BE49-F238E27FC236}">
+                <a16:creationId xmlns:a16="http://schemas.microsoft.com/office/drawing/2014/main" id="{FDCA6943-EFA8-4141-805A-9E3C6136228B}"/>
+              </a:ext>
+            </a:extLst>
+          </p:cNvPr>
+          <p:cNvSpPr/>
+          <p:nvPr/>
+        </p:nvSpPr>
+        <p:spPr>
+          <a:xfrm>
+            <a:off x="8329799" y="3872478"/>
+            <a:ext cx="3023999" cy="1228024"/>
+          </a:xfrm>
+          <a:prstGeom prst="rect">
+            <a:avLst/>
+          </a:prstGeom>
+          <a:noFill/>
+          <a:ln w="76200">
+            <a:solidFill>
+              <a:srgbClr val="FFC000"/>
+            </a:solidFill>
+          </a:ln>
+        </p:spPr>
+        <p:style>
+          <a:lnRef idx="2">
+            <a:schemeClr val="accent1">
+              <a:shade val="50000"/>
+            </a:schemeClr>
+          </a:lnRef>
+          <a:fillRef idx="1">
+            <a:schemeClr val="accent1"/>
+          </a:fillRef>
+          <a:effectRef idx="0">
+            <a:schemeClr val="accent1"/>
+          </a:effectRef>
+          <a:fontRef idx="minor">
+            <a:schemeClr val="lt1"/>
+          </a:fontRef>
+        </p:style>
+        <p:txBody>
+          <a:bodyPr rtlCol="0" anchor="ctr"/>
+          <a:lstStyle/>
+          <a:p>
+            <a:pPr algn="ctr"/>
+            <a:endParaRPr kumimoji="1" lang="zh-TW" altLang="en-US"/>
+          </a:p>
+        </p:txBody>
+      </p:sp>
+      <p:sp>
+        <p:nvSpPr>
+          <p:cNvPr id="16" name="矩形 15">
+            <a:extLst>
+              <a:ext uri="{FF2B5EF4-FFF2-40B4-BE49-F238E27FC236}">
+                <a16:creationId xmlns:a16="http://schemas.microsoft.com/office/drawing/2014/main" id="{F3A285B2-187F-574C-972C-E0A11985D268}"/>
+              </a:ext>
+            </a:extLst>
+          </p:cNvPr>
+          <p:cNvSpPr/>
+          <p:nvPr/>
+        </p:nvSpPr>
+        <p:spPr>
+          <a:xfrm>
+            <a:off x="8527800" y="2814989"/>
+            <a:ext cx="2306104" cy="1028591"/>
+          </a:xfrm>
+          <a:prstGeom prst="rect">
+            <a:avLst/>
+          </a:prstGeom>
+          <a:noFill/>
+          <a:ln w="76200">
+            <a:solidFill>
+              <a:srgbClr val="00B050"/>
+            </a:solidFill>
+          </a:ln>
+        </p:spPr>
+        <p:style>
+          <a:lnRef idx="2">
+            <a:schemeClr val="accent1">
+              <a:shade val="50000"/>
+            </a:schemeClr>
+          </a:lnRef>
+          <a:fillRef idx="1">
+            <a:schemeClr val="accent1"/>
+          </a:fillRef>
+          <a:effectRef idx="0">
+            <a:schemeClr val="accent1"/>
+          </a:effectRef>
+          <a:fontRef idx="minor">
+            <a:schemeClr val="lt1"/>
+          </a:fontRef>
+        </p:style>
+        <p:txBody>
+          <a:bodyPr rtlCol="0" anchor="ctr"/>
+          <a:lstStyle/>
+          <a:p>
+            <a:pPr algn="ctr"/>
+            <a:endParaRPr kumimoji="1" lang="zh-TW" altLang="en-US"/>
+          </a:p>
+        </p:txBody>
+      </p:sp>
+      <p:sp>
+        <p:nvSpPr>
+          <p:cNvPr id="5" name="手繪多邊形 4">
+            <a:extLst>
+              <a:ext uri="{FF2B5EF4-FFF2-40B4-BE49-F238E27FC236}">
+                <a16:creationId xmlns:a16="http://schemas.microsoft.com/office/drawing/2014/main" id="{86508CCE-222D-1247-8776-C2C67AD45133}"/>
+              </a:ext>
+            </a:extLst>
+          </p:cNvPr>
+          <p:cNvSpPr/>
+          <p:nvPr/>
+        </p:nvSpPr>
+        <p:spPr>
+          <a:xfrm>
+            <a:off x="7411712" y="2534856"/>
+            <a:ext cx="933635" cy="891250"/>
+          </a:xfrm>
+          <a:custGeom>
+            <a:avLst/>
+            <a:gdLst>
+              <a:gd name="connsiteX0" fmla="*/ 7660 w 933635"/>
+              <a:gd name="connsiteY0" fmla="*/ 0 h 891250"/>
+              <a:gd name="connsiteX1" fmla="*/ 134982 w 933635"/>
+              <a:gd name="connsiteY1" fmla="*/ 601883 h 891250"/>
+              <a:gd name="connsiteX2" fmla="*/ 933635 w 933635"/>
+              <a:gd name="connsiteY2" fmla="*/ 891250 h 891250"/>
+            </a:gdLst>
+            <a:ahLst/>
+            <a:cxnLst>
+              <a:cxn ang="0">
+                <a:pos x="connsiteX0" y="connsiteY0"/>
+              </a:cxn>
+              <a:cxn ang="0">
+                <a:pos x="connsiteX1" y="connsiteY1"/>
+              </a:cxn>
+              <a:cxn ang="0">
+                <a:pos x="connsiteX2" y="connsiteY2"/>
+              </a:cxn>
+            </a:cxnLst>
+            <a:rect l="l" t="t" r="r" b="b"/>
+            <a:pathLst>
+              <a:path w="933635" h="891250">
+                <a:moveTo>
+                  <a:pt x="7660" y="0"/>
+                </a:moveTo>
+                <a:cubicBezTo>
+                  <a:pt x="-5844" y="226670"/>
+                  <a:pt x="-19347" y="453341"/>
+                  <a:pt x="134982" y="601883"/>
+                </a:cubicBezTo>
+                <a:cubicBezTo>
+                  <a:pt x="289311" y="750425"/>
+                  <a:pt x="611473" y="820837"/>
+                  <a:pt x="933635" y="891250"/>
+                </a:cubicBezTo>
+              </a:path>
+            </a:pathLst>
+          </a:custGeom>
+          <a:noFill/>
+          <a:ln w="57150">
+            <a:solidFill>
+              <a:srgbClr val="FF0000"/>
+            </a:solidFill>
+            <a:headEnd type="none" w="med" len="med"/>
+            <a:tailEnd type="triangle" w="med" len="med"/>
+          </a:ln>
+        </p:spPr>
+        <p:style>
+          <a:lnRef idx="2">
+            <a:schemeClr val="accent1">
+              <a:shade val="50000"/>
+            </a:schemeClr>
+          </a:lnRef>
+          <a:fillRef idx="1">
+            <a:schemeClr val="accent1"/>
+          </a:fillRef>
+          <a:effectRef idx="0">
+            <a:schemeClr val="accent1"/>
+          </a:effectRef>
+          <a:fontRef idx="minor">
+            <a:schemeClr val="lt1"/>
+          </a:fontRef>
+        </p:style>
+        <p:txBody>
+          <a:bodyPr rtlCol="0" anchor="ctr"/>
+          <a:lstStyle/>
+          <a:p>
+            <a:pPr algn="ctr"/>
+            <a:endParaRPr kumimoji="1" lang="zh-TW" altLang="en-US"/>
+          </a:p>
+        </p:txBody>
+      </p:sp>
+      <p:sp>
+        <p:nvSpPr>
+          <p:cNvPr id="7" name="手繪多邊形 6">
+            <a:extLst>
+              <a:ext uri="{FF2B5EF4-FFF2-40B4-BE49-F238E27FC236}">
+                <a16:creationId xmlns:a16="http://schemas.microsoft.com/office/drawing/2014/main" id="{97E4EF9F-62B8-7445-8F6D-851E354E4F8F}"/>
+              </a:ext>
+            </a:extLst>
+          </p:cNvPr>
+          <p:cNvSpPr/>
+          <p:nvPr/>
+        </p:nvSpPr>
+        <p:spPr>
+          <a:xfrm>
+            <a:off x="7361076" y="2558005"/>
+            <a:ext cx="799076" cy="1817225"/>
+          </a:xfrm>
+          <a:custGeom>
+            <a:avLst/>
+            <a:gdLst>
+              <a:gd name="connsiteX0" fmla="*/ 46721 w 799076"/>
+              <a:gd name="connsiteY0" fmla="*/ 0 h 1817225"/>
+              <a:gd name="connsiteX1" fmla="*/ 81446 w 799076"/>
+              <a:gd name="connsiteY1" fmla="*/ 1145894 h 1817225"/>
+              <a:gd name="connsiteX2" fmla="*/ 799076 w 799076"/>
+              <a:gd name="connsiteY2" fmla="*/ 1817225 h 1817225"/>
+            </a:gdLst>
+            <a:ahLst/>
+            <a:cxnLst>
+              <a:cxn ang="0">
+                <a:pos x="connsiteX0" y="connsiteY0"/>
+              </a:cxn>
+              <a:cxn ang="0">
+                <a:pos x="connsiteX1" y="connsiteY1"/>
+              </a:cxn>
+              <a:cxn ang="0">
+                <a:pos x="connsiteX2" y="connsiteY2"/>
+              </a:cxn>
+            </a:cxnLst>
+            <a:rect l="l" t="t" r="r" b="b"/>
+            <a:pathLst>
+              <a:path w="799076" h="1817225">
+                <a:moveTo>
+                  <a:pt x="46721" y="0"/>
+                </a:moveTo>
+                <a:cubicBezTo>
+                  <a:pt x="1387" y="421511"/>
+                  <a:pt x="-43947" y="843023"/>
+                  <a:pt x="81446" y="1145894"/>
+                </a:cubicBezTo>
+                <a:cubicBezTo>
+                  <a:pt x="206839" y="1448765"/>
+                  <a:pt x="502957" y="1632995"/>
+                  <a:pt x="799076" y="1817225"/>
+                </a:cubicBezTo>
+              </a:path>
+            </a:pathLst>
+          </a:custGeom>
+          <a:noFill/>
+          <a:ln w="57150">
+            <a:solidFill>
+              <a:srgbClr val="FF0000"/>
+            </a:solidFill>
+            <a:headEnd type="none" w="med" len="med"/>
+            <a:tailEnd type="triangle" w="med" len="med"/>
+          </a:ln>
+        </p:spPr>
+        <p:style>
+          <a:lnRef idx="2">
+            <a:schemeClr val="accent1">
+              <a:shade val="50000"/>
+            </a:schemeClr>
+          </a:lnRef>
+          <a:fillRef idx="1">
+            <a:schemeClr val="accent1"/>
+          </a:fillRef>
+          <a:effectRef idx="0">
+            <a:schemeClr val="accent1"/>
+          </a:effectRef>
+          <a:fontRef idx="minor">
+            <a:schemeClr val="lt1"/>
+          </a:fontRef>
+        </p:style>
+        <p:txBody>
+          <a:bodyPr rtlCol="0" anchor="ctr"/>
+          <a:lstStyle/>
+          <a:p>
+            <a:pPr algn="ctr"/>
+            <a:endParaRPr kumimoji="1" lang="zh-TW" altLang="en-US"/>
+          </a:p>
+        </p:txBody>
+      </p:sp>
+      <p:sp>
+        <p:nvSpPr>
+          <p:cNvPr id="17" name="矩形 16">
+            <a:extLst>
+              <a:ext uri="{FF2B5EF4-FFF2-40B4-BE49-F238E27FC236}">
+                <a16:creationId xmlns:a16="http://schemas.microsoft.com/office/drawing/2014/main" id="{6100CC27-A52F-0A4D-8B90-A699E4FE5FAC}"/>
+              </a:ext>
+            </a:extLst>
+          </p:cNvPr>
+          <p:cNvSpPr/>
+          <p:nvPr/>
+        </p:nvSpPr>
+        <p:spPr>
+          <a:xfrm>
+            <a:off x="10440365" y="3183038"/>
+            <a:ext cx="393539" cy="462987"/>
+          </a:xfrm>
+          <a:prstGeom prst="rect">
+            <a:avLst/>
+          </a:prstGeom>
+          <a:noFill/>
+          <a:ln w="38100">
+            <a:solidFill>
+              <a:srgbClr val="FF0000"/>
+            </a:solidFill>
+          </a:ln>
+        </p:spPr>
+        <p:style>
+          <a:lnRef idx="2">
+            <a:schemeClr val="accent1">
+              <a:shade val="50000"/>
+            </a:schemeClr>
+          </a:lnRef>
+          <a:fillRef idx="1">
+            <a:schemeClr val="accent1"/>
+          </a:fillRef>
+          <a:effectRef idx="0">
+            <a:schemeClr val="accent1"/>
+          </a:effectRef>
+          <a:fontRef idx="minor">
+            <a:schemeClr val="lt1"/>
+          </a:fontRef>
+        </p:style>
+        <p:txBody>
+          <a:bodyPr rtlCol="0" anchor="ctr"/>
+          <a:lstStyle/>
+          <a:p>
+            <a:pPr algn="ctr"/>
+            <a:endParaRPr kumimoji="1" lang="zh-TW" altLang="en-US"/>
+          </a:p>
+        </p:txBody>
+      </p:sp>
+      <p:sp>
+        <p:nvSpPr>
+          <p:cNvPr id="18" name="矩形 17">
+            <a:extLst>
+              <a:ext uri="{FF2B5EF4-FFF2-40B4-BE49-F238E27FC236}">
+                <a16:creationId xmlns:a16="http://schemas.microsoft.com/office/drawing/2014/main" id="{FB8BFA5B-D4FF-9448-A285-F7FD316CAE9B}"/>
+              </a:ext>
+            </a:extLst>
+          </p:cNvPr>
+          <p:cNvSpPr/>
+          <p:nvPr/>
+        </p:nvSpPr>
+        <p:spPr>
+          <a:xfrm>
+            <a:off x="8979567" y="4106172"/>
+            <a:ext cx="685294" cy="766485"/>
+          </a:xfrm>
+          <a:prstGeom prst="rect">
+            <a:avLst/>
+          </a:prstGeom>
+          <a:noFill/>
+          <a:ln w="38100">
+            <a:solidFill>
+              <a:srgbClr val="FF0000"/>
+            </a:solidFill>
+          </a:ln>
+        </p:spPr>
+        <p:style>
+          <a:lnRef idx="2">
+            <a:schemeClr val="accent1">
+              <a:shade val="50000"/>
+            </a:schemeClr>
+          </a:lnRef>
+          <a:fillRef idx="1">
+            <a:schemeClr val="accent1"/>
+          </a:fillRef>
+          <a:effectRef idx="0">
+            <a:schemeClr val="accent1"/>
+          </a:effectRef>
+          <a:fontRef idx="minor">
+            <a:schemeClr val="lt1"/>
+          </a:fontRef>
+        </p:style>
+        <p:txBody>
+          <a:bodyPr rtlCol="0" anchor="ctr"/>
+          <a:lstStyle/>
+          <a:p>
+            <a:pPr algn="ctr"/>
+            <a:endParaRPr kumimoji="1" lang="zh-TW" altLang="en-US"/>
+          </a:p>
+        </p:txBody>
+      </p:sp>
+      <p:sp>
+        <p:nvSpPr>
           <p:cNvPr id="6" name="文字方塊 5">
             <a:extLst>
               <a:ext uri="{FF2B5EF4-FFF2-40B4-BE49-F238E27FC236}">
@@ -30450,8 +30364,8 @@
           </a:fontRef>
         </p:style>
       </p:cxnSp>
-      <mc:AlternateContent xmlns:mc="http://schemas.openxmlformats.org/markup-compatibility/2006">
-        <mc:Choice xmlns:a14="http://schemas.microsoft.com/office/drawing/2010/main" Requires="a14">
+      <mc:AlternateContent xmlns:mc="http://schemas.openxmlformats.org/markup-compatibility/2006" xmlns:a14="http://schemas.microsoft.com/office/drawing/2010/main">
+        <mc:Choice Requires="a14">
           <p:sp>
             <p:nvSpPr>
               <p:cNvPr id="14" name="橢圓 13">
@@ -30537,7 +30451,7 @@
             </p:txBody>
           </p:sp>
         </mc:Choice>
-        <mc:Fallback>
+        <mc:Fallback xmlns="">
           <p:sp>
             <p:nvSpPr>
               <p:cNvPr id="14" name="橢圓 13">
@@ -31252,8 +31166,8 @@
             </a:p>
           </p:txBody>
         </p:sp>
-        <mc:AlternateContent xmlns:mc="http://schemas.openxmlformats.org/markup-compatibility/2006">
-          <mc:Choice xmlns:a14="http://schemas.microsoft.com/office/drawing/2010/main" Requires="a14">
+        <mc:AlternateContent xmlns:mc="http://schemas.openxmlformats.org/markup-compatibility/2006" xmlns:a14="http://schemas.microsoft.com/office/drawing/2010/main">
+          <mc:Choice Requires="a14">
             <p:sp>
               <p:nvSpPr>
                 <p:cNvPr id="47" name="文字方塊 46">
@@ -31503,7 +31417,7 @@
               </p:txBody>
             </p:sp>
           </mc:Choice>
-          <mc:Fallback>
+          <mc:Fallback xmlns="">
             <p:sp>
               <p:nvSpPr>
                 <p:cNvPr id="47" name="文字方塊 46">
@@ -32497,8 +32411,8 @@
           </a:fontRef>
         </p:style>
       </p:cxnSp>
-      <mc:AlternateContent xmlns:mc="http://schemas.openxmlformats.org/markup-compatibility/2006">
-        <mc:Choice xmlns:a14="http://schemas.microsoft.com/office/drawing/2010/main" Requires="a14">
+      <mc:AlternateContent xmlns:mc="http://schemas.openxmlformats.org/markup-compatibility/2006" xmlns:a14="http://schemas.microsoft.com/office/drawing/2010/main">
+        <mc:Choice Requires="a14">
           <p:sp>
             <p:nvSpPr>
               <p:cNvPr id="14" name="橢圓 13">
@@ -32584,7 +32498,7 @@
             </p:txBody>
           </p:sp>
         </mc:Choice>
-        <mc:Fallback>
+        <mc:Fallback xmlns="">
           <p:sp>
             <p:nvSpPr>
               <p:cNvPr id="14" name="橢圓 13">
@@ -33299,8 +33213,8 @@
             </a:p>
           </p:txBody>
         </p:sp>
-        <mc:AlternateContent xmlns:mc="http://schemas.openxmlformats.org/markup-compatibility/2006">
-          <mc:Choice xmlns:a14="http://schemas.microsoft.com/office/drawing/2010/main" Requires="a14">
+        <mc:AlternateContent xmlns:mc="http://schemas.openxmlformats.org/markup-compatibility/2006" xmlns:a14="http://schemas.microsoft.com/office/drawing/2010/main">
+          <mc:Choice Requires="a14">
             <p:sp>
               <p:nvSpPr>
                 <p:cNvPr id="47" name="文字方塊 46">
@@ -33550,7 +33464,7 @@
               </p:txBody>
             </p:sp>
           </mc:Choice>
-          <mc:Fallback>
+          <mc:Fallback xmlns="">
             <p:sp>
               <p:nvSpPr>
                 <p:cNvPr id="47" name="文字方塊 46">
@@ -34174,8 +34088,8 @@
             </a:p>
           </p:txBody>
         </p:sp>
-        <mc:AlternateContent xmlns:mc="http://schemas.openxmlformats.org/markup-compatibility/2006">
-          <mc:Choice xmlns:a14="http://schemas.microsoft.com/office/drawing/2010/main" Requires="a14">
+        <mc:AlternateContent xmlns:mc="http://schemas.openxmlformats.org/markup-compatibility/2006" xmlns:a14="http://schemas.microsoft.com/office/drawing/2010/main">
+          <mc:Choice Requires="a14">
             <p:sp>
               <p:nvSpPr>
                 <p:cNvPr id="53" name="文字方塊 52">
@@ -34204,6 +34118,7 @@
                 </a:bodyPr>
                 <a:lstStyle/>
                 <a:p>
+                  <a:pPr/>
                   <a14:m>
                     <m:oMathPara xmlns:m="http://schemas.openxmlformats.org/officeDocument/2006/math">
                       <m:oMathParaPr>
@@ -34267,7 +34182,7 @@
               </p:txBody>
             </p:sp>
           </mc:Choice>
-          <mc:Fallback>
+          <mc:Fallback xmlns="">
             <p:sp>
               <p:nvSpPr>
                 <p:cNvPr id="53" name="文字方塊 52">
@@ -34855,8 +34770,8 @@
           </a:fontRef>
         </p:style>
       </p:cxnSp>
-      <mc:AlternateContent xmlns:mc="http://schemas.openxmlformats.org/markup-compatibility/2006">
-        <mc:Choice xmlns:a14="http://schemas.microsoft.com/office/drawing/2010/main" Requires="a14">
+      <mc:AlternateContent xmlns:mc="http://schemas.openxmlformats.org/markup-compatibility/2006" xmlns:a14="http://schemas.microsoft.com/office/drawing/2010/main">
+        <mc:Choice Requires="a14">
           <p:sp>
             <p:nvSpPr>
               <p:cNvPr id="14" name="橢圓 13">
@@ -34942,7 +34857,7 @@
             </p:txBody>
           </p:sp>
         </mc:Choice>
-        <mc:Fallback>
+        <mc:Fallback xmlns="">
           <p:sp>
             <p:nvSpPr>
               <p:cNvPr id="14" name="橢圓 13">
@@ -35657,8 +35572,8 @@
             </a:p>
           </p:txBody>
         </p:sp>
-        <mc:AlternateContent xmlns:mc="http://schemas.openxmlformats.org/markup-compatibility/2006">
-          <mc:Choice xmlns:a14="http://schemas.microsoft.com/office/drawing/2010/main" Requires="a14">
+        <mc:AlternateContent xmlns:mc="http://schemas.openxmlformats.org/markup-compatibility/2006" xmlns:a14="http://schemas.microsoft.com/office/drawing/2010/main">
+          <mc:Choice Requires="a14">
             <p:sp>
               <p:nvSpPr>
                 <p:cNvPr id="47" name="文字方塊 46">
@@ -35908,7 +35823,7 @@
               </p:txBody>
             </p:sp>
           </mc:Choice>
-          <mc:Fallback>
+          <mc:Fallback xmlns="">
             <p:sp>
               <p:nvSpPr>
                 <p:cNvPr id="47" name="文字方塊 46">
@@ -36902,8 +36817,8 @@
           </a:fontRef>
         </p:style>
       </p:cxnSp>
-      <mc:AlternateContent xmlns:mc="http://schemas.openxmlformats.org/markup-compatibility/2006">
-        <mc:Choice xmlns:a14="http://schemas.microsoft.com/office/drawing/2010/main" Requires="a14">
+      <mc:AlternateContent xmlns:mc="http://schemas.openxmlformats.org/markup-compatibility/2006" xmlns:a14="http://schemas.microsoft.com/office/drawing/2010/main">
+        <mc:Choice Requires="a14">
           <p:sp>
             <p:nvSpPr>
               <p:cNvPr id="14" name="橢圓 13">
@@ -36989,7 +36904,7 @@
             </p:txBody>
           </p:sp>
         </mc:Choice>
-        <mc:Fallback>
+        <mc:Fallback xmlns="">
           <p:sp>
             <p:nvSpPr>
               <p:cNvPr id="14" name="橢圓 13">
@@ -37704,8 +37619,8 @@
             </a:p>
           </p:txBody>
         </p:sp>
-        <mc:AlternateContent xmlns:mc="http://schemas.openxmlformats.org/markup-compatibility/2006">
-          <mc:Choice xmlns:a14="http://schemas.microsoft.com/office/drawing/2010/main" Requires="a14">
+        <mc:AlternateContent xmlns:mc="http://schemas.openxmlformats.org/markup-compatibility/2006" xmlns:a14="http://schemas.microsoft.com/office/drawing/2010/main">
+          <mc:Choice Requires="a14">
             <p:sp>
               <p:nvSpPr>
                 <p:cNvPr id="47" name="文字方塊 46">
@@ -37955,7 +37870,7 @@
               </p:txBody>
             </p:sp>
           </mc:Choice>
-          <mc:Fallback>
+          <mc:Fallback xmlns="">
             <p:sp>
               <p:nvSpPr>
                 <p:cNvPr id="47" name="文字方塊 46">
@@ -38579,8 +38494,8 @@
             </a:p>
           </p:txBody>
         </p:sp>
-        <mc:AlternateContent xmlns:mc="http://schemas.openxmlformats.org/markup-compatibility/2006">
-          <mc:Choice xmlns:a14="http://schemas.microsoft.com/office/drawing/2010/main" Requires="a14">
+        <mc:AlternateContent xmlns:mc="http://schemas.openxmlformats.org/markup-compatibility/2006" xmlns:a14="http://schemas.microsoft.com/office/drawing/2010/main">
+          <mc:Choice Requires="a14">
             <p:sp>
               <p:nvSpPr>
                 <p:cNvPr id="39" name="文字方塊 38">
@@ -38609,6 +38524,7 @@
                 </a:bodyPr>
                 <a:lstStyle/>
                 <a:p>
+                  <a:pPr/>
                   <a14:m>
                     <m:oMathPara xmlns:m="http://schemas.openxmlformats.org/officeDocument/2006/math">
                       <m:oMathParaPr>
@@ -38672,7 +38588,7 @@
               </p:txBody>
             </p:sp>
           </mc:Choice>
-          <mc:Fallback>
+          <mc:Fallback xmlns="">
             <p:sp>
               <p:nvSpPr>
                 <p:cNvPr id="39" name="文字方塊 38">
@@ -40154,13 +40070,6 @@
               </a:rPr>
               <a:t>有誤差！</a:t>
             </a:r>
-            <a:endParaRPr kumimoji="1" lang="zh-TW" altLang="en-US" sz="2400" dirty="0">
-              <a:solidFill>
-                <a:srgbClr val="FF0000"/>
-              </a:solidFill>
-              <a:latin typeface="Heiti SC Medium" pitchFamily="2" charset="-128"/>
-              <a:ea typeface="Heiti SC Medium" pitchFamily="2" charset="-128"/>
-            </a:endParaRPr>
           </a:p>
         </p:txBody>
       </p:sp>
@@ -40654,13 +40563,6 @@
               </a:rPr>
               <a:t>有誤差！</a:t>
             </a:r>
-            <a:endParaRPr kumimoji="1" lang="zh-TW" altLang="en-US" sz="2400" dirty="0">
-              <a:solidFill>
-                <a:srgbClr val="FF0000"/>
-              </a:solidFill>
-              <a:latin typeface="Heiti SC Medium" pitchFamily="2" charset="-128"/>
-              <a:ea typeface="Heiti SC Medium" pitchFamily="2" charset="-128"/>
-            </a:endParaRPr>
           </a:p>
         </p:txBody>
       </p:sp>

--- a/模擬平台網頁_v2/教材簡報/第三單元、第四單元簡報_v1.pptx
+++ b/模擬平台網頁_v2/教材簡報/第三單元、第四單元簡報_v1.pptx
@@ -23476,7 +23476,7 @@
         <p:spPr>
           <a:xfrm>
             <a:off x="838200" y="1867448"/>
-            <a:ext cx="7042312" cy="461665"/>
+            <a:ext cx="2031325" cy="461665"/>
           </a:xfrm>
           <a:prstGeom prst="rect">
             <a:avLst/>
@@ -23490,32 +23490,11 @@
           <a:lstStyle/>
           <a:p>
             <a:r>
-              <a:rPr lang="en" altLang="zh-TW" sz="2400" dirty="0">
-                <a:latin typeface="Heiti SC Medium" pitchFamily="2" charset="-128"/>
-                <a:ea typeface="Heiti SC Medium" pitchFamily="2" charset="-128"/>
-              </a:rPr>
-              <a:t>Warren McCulloch</a:t>
-            </a:r>
-            <a:r>
               <a:rPr lang="zh-TW" altLang="en-US" sz="2400" dirty="0">
                 <a:latin typeface="Heiti SC Medium" pitchFamily="2" charset="-128"/>
                 <a:ea typeface="Heiti SC Medium" pitchFamily="2" charset="-128"/>
               </a:rPr>
-              <a:t>和</a:t>
-            </a:r>
-            <a:r>
-              <a:rPr lang="en" altLang="zh-TW" sz="2400" dirty="0">
-                <a:latin typeface="Heiti SC Medium" pitchFamily="2" charset="-128"/>
-                <a:ea typeface="Heiti SC Medium" pitchFamily="2" charset="-128"/>
-              </a:rPr>
-              <a:t>Walter Pitts</a:t>
-            </a:r>
-            <a:r>
-              <a:rPr lang="zh-TW" altLang="en-US" sz="2400" dirty="0">
-                <a:latin typeface="Heiti SC Medium" pitchFamily="2" charset="-128"/>
-                <a:ea typeface="Heiti SC Medium" pitchFamily="2" charset="-128"/>
-              </a:rPr>
-              <a:t>的類神經元模型</a:t>
+              <a:t>類神經元模型</a:t>
             </a:r>
           </a:p>
         </p:txBody>

--- a/模擬平台網頁_v2/教材簡報/第三單元、第四單元簡報_v1.pptx
+++ b/模擬平台網頁_v2/教材簡報/第三單元、第四單元簡報_v1.pptx
@@ -22940,7 +22940,7 @@
                 <a:latin typeface="Heiti SC Medium" pitchFamily="2" charset="-128"/>
                 <a:ea typeface="Heiti SC Medium" pitchFamily="2" charset="-128"/>
               </a:rPr>
-              <a:t>分類錯誤該怎麼辦？</a:t>
+              <a:t>分類錯誤「類神經網路」該怎麼辦？</a:t>
             </a:r>
           </a:p>
         </p:txBody>
@@ -27583,7 +27583,7 @@
                 <a:latin typeface="Heiti SC Medium" pitchFamily="2" charset="-128"/>
                 <a:ea typeface="Heiti SC Medium" pitchFamily="2" charset="-128"/>
               </a:rPr>
-              <a:t>分類錯誤該怎麼辦？</a:t>
+              <a:t>分類錯誤「類神經網路」該怎麼辦？</a:t>
             </a:r>
           </a:p>
         </p:txBody>
@@ -38749,7 +38749,7 @@
                 <a:latin typeface="Heiti SC Medium" pitchFamily="2" charset="-128"/>
                 <a:ea typeface="Heiti SC Medium" pitchFamily="2" charset="-128"/>
               </a:rPr>
-              <a:t>分類錯誤該怎麼辦？</a:t>
+              <a:t>分類錯誤「類神經網路」該怎麼辦？</a:t>
             </a:r>
           </a:p>
         </p:txBody>
@@ -39182,7 +39182,7 @@
                 <a:latin typeface="Heiti SC Medium" pitchFamily="2" charset="-128"/>
                 <a:ea typeface="Heiti SC Medium" pitchFamily="2" charset="-128"/>
               </a:rPr>
-              <a:t>分類錯誤該怎麼辦？</a:t>
+              <a:t>分類錯誤「類神經網路」該怎麼辦？</a:t>
             </a:r>
           </a:p>
         </p:txBody>
@@ -39615,7 +39615,7 @@
                 <a:latin typeface="Heiti SC Medium" pitchFamily="2" charset="-128"/>
                 <a:ea typeface="Heiti SC Medium" pitchFamily="2" charset="-128"/>
               </a:rPr>
-              <a:t>分類錯誤該怎麼辦？</a:t>
+              <a:t>分類錯誤「類神經網路」該怎麼辦？</a:t>
             </a:r>
           </a:p>
         </p:txBody>
@@ -40108,7 +40108,7 @@
                 <a:latin typeface="Heiti SC Medium" pitchFamily="2" charset="-128"/>
                 <a:ea typeface="Heiti SC Medium" pitchFamily="2" charset="-128"/>
               </a:rPr>
-              <a:t>分類錯誤該怎麼辦？</a:t>
+              <a:t>分類錯誤「類神經網路」該怎麼辦？</a:t>
             </a:r>
           </a:p>
         </p:txBody>
@@ -40734,7 +40734,7 @@
                 <a:latin typeface="Heiti SC Medium" pitchFamily="2" charset="-128"/>
                 <a:ea typeface="Heiti SC Medium" pitchFamily="2" charset="-128"/>
               </a:rPr>
-              <a:t>分類錯誤該怎麼辦？</a:t>
+              <a:t>分類錯誤「類神經網路」該怎麼辦？</a:t>
             </a:r>
           </a:p>
         </p:txBody>
